--- a/Procedural Voxel Terrain Engine.pptx
+++ b/Procedural Voxel Terrain Engine.pptx
@@ -5,18 +5,19 @@
     <p:sldMasterId id="2147483648" r:id="rId1"/>
   </p:sldMasterIdLst>
   <p:notesMasterIdLst>
-    <p:notesMasterId r:id="rId11"/>
+    <p:notesMasterId r:id="rId12"/>
   </p:notesMasterIdLst>
   <p:sldIdLst>
     <p:sldId id="256" r:id="rId2"/>
-    <p:sldId id="270" r:id="rId3"/>
-    <p:sldId id="269" r:id="rId4"/>
-    <p:sldId id="271" r:id="rId5"/>
-    <p:sldId id="262" r:id="rId6"/>
-    <p:sldId id="272" r:id="rId7"/>
-    <p:sldId id="267" r:id="rId8"/>
+    <p:sldId id="267" r:id="rId3"/>
+    <p:sldId id="270" r:id="rId4"/>
+    <p:sldId id="269" r:id="rId5"/>
+    <p:sldId id="271" r:id="rId6"/>
+    <p:sldId id="262" r:id="rId7"/>
+    <p:sldId id="272" r:id="rId8"/>
     <p:sldId id="273" r:id="rId9"/>
-    <p:sldId id="268" r:id="rId10"/>
+    <p:sldId id="274" r:id="rId10"/>
+    <p:sldId id="268" r:id="rId11"/>
   </p:sldIdLst>
   <p:sldSz cx="12192000" cy="6858000"/>
   <p:notesSz cx="6858000" cy="9144000"/>
@@ -4033,7 +4034,320 @@
 </p:sld>
 </file>
 
+<file path=ppt/slides/slide10.xml><?xml version="1.0" encoding="utf-8"?>
+<p:sld xmlns:a="http://schemas.openxmlformats.org/drawingml/2006/main" xmlns:r="http://schemas.openxmlformats.org/officeDocument/2006/relationships" xmlns:p="http://schemas.openxmlformats.org/presentationml/2006/main">
+  <p:cSld>
+    <p:spTree>
+      <p:nvGrpSpPr>
+        <p:cNvPr id="1" name=""/>
+        <p:cNvGrpSpPr/>
+        <p:nvPr/>
+      </p:nvGrpSpPr>
+      <p:grpSpPr>
+        <a:xfrm>
+          <a:off x="0" y="0"/>
+          <a:ext cx="0" cy="0"/>
+          <a:chOff x="0" y="0"/>
+          <a:chExt cx="0" cy="0"/>
+        </a:xfrm>
+      </p:grpSpPr>
+      <p:sp>
+        <p:nvSpPr>
+          <p:cNvPr id="4" name="TextBox 3">
+            <a:extLst>
+              <a:ext uri="{FF2B5EF4-FFF2-40B4-BE49-F238E27FC236}">
+                <a16:creationId xmlns:a16="http://schemas.microsoft.com/office/drawing/2014/main" id="{605D81E9-0368-4270-9A1E-B85F9BCBD422}"/>
+              </a:ext>
+            </a:extLst>
+          </p:cNvPr>
+          <p:cNvSpPr txBox="1"/>
+          <p:nvPr/>
+        </p:nvSpPr>
+        <p:spPr>
+          <a:xfrm>
+            <a:off x="5149266" y="3105834"/>
+            <a:ext cx="1893467" cy="646331"/>
+          </a:xfrm>
+          <a:prstGeom prst="rect">
+            <a:avLst/>
+          </a:prstGeom>
+          <a:noFill/>
+        </p:spPr>
+        <p:txBody>
+          <a:bodyPr wrap="none" rtlCol="0">
+            <a:spAutoFit/>
+          </a:bodyPr>
+          <a:lstStyle/>
+          <a:p>
+            <a:r>
+              <a:rPr lang="ko-KR" altLang="en-US" sz="3600" dirty="0" err="1"/>
+              <a:t>ㄲ</a:t>
+            </a:r>
+            <a:r>
+              <a:rPr lang="ko-KR" altLang="en-US" sz="3600" dirty="0"/>
+              <a:t> </a:t>
+            </a:r>
+            <a:r>
+              <a:rPr lang="ko-KR" altLang="en-US" sz="3600" dirty="0" err="1"/>
+              <a:t>ㅡ</a:t>
+            </a:r>
+            <a:r>
+              <a:rPr lang="ko-KR" altLang="en-US" sz="3600" dirty="0"/>
+              <a:t> </a:t>
+            </a:r>
+            <a:r>
+              <a:rPr lang="ko-KR" altLang="en-US" sz="3600" dirty="0" err="1"/>
+              <a:t>ㅌ</a:t>
+            </a:r>
+            <a:endParaRPr lang="ko-KR" altLang="en-US" sz="3600" dirty="0"/>
+          </a:p>
+        </p:txBody>
+      </p:sp>
+    </p:spTree>
+    <p:extLst>
+      <p:ext uri="{BB962C8B-B14F-4D97-AF65-F5344CB8AC3E}">
+        <p14:creationId xmlns:p14="http://schemas.microsoft.com/office/powerpoint/2010/main" val="4073325434"/>
+      </p:ext>
+    </p:extLst>
+  </p:cSld>
+  <p:clrMapOvr>
+    <a:masterClrMapping/>
+  </p:clrMapOvr>
+</p:sld>
+</file>
+
 <file path=ppt/slides/slide2.xml><?xml version="1.0" encoding="utf-8"?>
+<p:sld xmlns:a="http://schemas.openxmlformats.org/drawingml/2006/main" xmlns:r="http://schemas.openxmlformats.org/officeDocument/2006/relationships" xmlns:p="http://schemas.openxmlformats.org/presentationml/2006/main">
+  <p:cSld>
+    <p:spTree>
+      <p:nvGrpSpPr>
+        <p:cNvPr id="1" name=""/>
+        <p:cNvGrpSpPr/>
+        <p:nvPr/>
+      </p:nvGrpSpPr>
+      <p:grpSpPr>
+        <a:xfrm>
+          <a:off x="0" y="0"/>
+          <a:ext cx="0" cy="0"/>
+          <a:chOff x="0" y="0"/>
+          <a:chExt cx="0" cy="0"/>
+        </a:xfrm>
+      </p:grpSpPr>
+      <p:sp>
+        <p:nvSpPr>
+          <p:cNvPr id="4" name="제목 4">
+            <a:extLst>
+              <a:ext uri="{FF2B5EF4-FFF2-40B4-BE49-F238E27FC236}">
+                <a16:creationId xmlns:a16="http://schemas.microsoft.com/office/drawing/2014/main" id="{D781AA69-A962-4592-A0B7-243FC4A701BA}"/>
+              </a:ext>
+            </a:extLst>
+          </p:cNvPr>
+          <p:cNvSpPr txBox="1">
+            <a:spLocks/>
+          </p:cNvSpPr>
+          <p:nvPr/>
+        </p:nvSpPr>
+        <p:spPr>
+          <a:xfrm>
+            <a:off x="327171" y="0"/>
+            <a:ext cx="6316910" cy="1048624"/>
+          </a:xfrm>
+          <a:prstGeom prst="rect">
+            <a:avLst/>
+          </a:prstGeom>
+        </p:spPr>
+        <p:txBody>
+          <a:bodyPr vert="horz" lIns="91440" tIns="45720" rIns="91440" bIns="45720" rtlCol="0" anchor="ctr">
+            <a:normAutofit/>
+          </a:bodyPr>
+          <a:lstStyle>
+            <a:lvl1pPr algn="l" defTabSz="914400" rtl="0" eaLnBrk="1" latinLnBrk="1" hangingPunct="1">
+              <a:lnSpc>
+                <a:spcPct val="90000"/>
+              </a:lnSpc>
+              <a:spcBef>
+                <a:spcPct val="0"/>
+              </a:spcBef>
+              <a:buNone/>
+              <a:defRPr sz="4400" kern="1200">
+                <a:solidFill>
+                  <a:schemeClr val="tx1"/>
+                </a:solidFill>
+                <a:latin typeface="+mj-lt"/>
+                <a:ea typeface="+mj-ea"/>
+                <a:cs typeface="+mj-cs"/>
+              </a:defRPr>
+            </a:lvl1pPr>
+          </a:lstStyle>
+          <a:p>
+            <a:r>
+              <a:rPr lang="ko-KR" altLang="en-US" sz="3600" dirty="0"/>
+              <a:t>목표</a:t>
+            </a:r>
+          </a:p>
+        </p:txBody>
+      </p:sp>
+      <p:sp>
+        <p:nvSpPr>
+          <p:cNvPr id="5" name="TextBox 4">
+            <a:extLst>
+              <a:ext uri="{FF2B5EF4-FFF2-40B4-BE49-F238E27FC236}">
+                <a16:creationId xmlns:a16="http://schemas.microsoft.com/office/drawing/2014/main" id="{681D4AF7-FF61-4AD2-B87F-A0201B8B75B0}"/>
+              </a:ext>
+            </a:extLst>
+          </p:cNvPr>
+          <p:cNvSpPr txBox="1"/>
+          <p:nvPr/>
+        </p:nvSpPr>
+        <p:spPr>
+          <a:xfrm>
+            <a:off x="1129717" y="1843950"/>
+            <a:ext cx="9932565" cy="3170099"/>
+          </a:xfrm>
+          <a:prstGeom prst="rect">
+            <a:avLst/>
+          </a:prstGeom>
+          <a:noFill/>
+        </p:spPr>
+        <p:txBody>
+          <a:bodyPr wrap="square" rtlCol="0">
+            <a:spAutoFit/>
+          </a:bodyPr>
+          <a:lstStyle/>
+          <a:p>
+            <a:pPr marL="342900" indent="-342900" algn="ctr">
+              <a:buAutoNum type="arabicPeriod"/>
+            </a:pPr>
+            <a:r>
+              <a:rPr lang="en-US" altLang="ko-KR" sz="4000" dirty="0"/>
+              <a:t> </a:t>
+            </a:r>
+            <a:r>
+              <a:rPr lang="en-US" altLang="ko-KR" sz="4000" dirty="0">
+                <a:solidFill>
+                  <a:srgbClr val="FF0000"/>
+                </a:solidFill>
+              </a:rPr>
+              <a:t>DX11</a:t>
+            </a:r>
+            <a:r>
+              <a:rPr lang="ko-KR" altLang="en-US" sz="4000" dirty="0">
+                <a:solidFill>
+                  <a:srgbClr val="FF0000"/>
+                </a:solidFill>
+              </a:rPr>
+              <a:t>기반 게임엔진작성</a:t>
+            </a:r>
+            <a:endParaRPr lang="en-US" altLang="ko-KR" sz="4000" dirty="0">
+              <a:solidFill>
+                <a:srgbClr val="FF0000"/>
+              </a:solidFill>
+            </a:endParaRPr>
+          </a:p>
+          <a:p>
+            <a:pPr marL="342900" indent="-342900" algn="ctr">
+              <a:buAutoNum type="arabicPeriod"/>
+            </a:pPr>
+            <a:endParaRPr lang="en-US" altLang="ko-KR" sz="4000" dirty="0"/>
+          </a:p>
+          <a:p>
+            <a:pPr marL="342900" indent="-342900" algn="ctr">
+              <a:buAutoNum type="arabicPeriod"/>
+            </a:pPr>
+            <a:r>
+              <a:rPr lang="ko-KR" altLang="en-US" sz="4000" dirty="0"/>
+              <a:t> 절차적 생성 </a:t>
+            </a:r>
+            <a:r>
+              <a:rPr lang="ko-KR" altLang="en-US" sz="4000" dirty="0" err="1">
+                <a:solidFill>
+                  <a:srgbClr val="FF0000"/>
+                </a:solidFill>
+              </a:rPr>
+              <a:t>복셀</a:t>
+            </a:r>
+            <a:r>
+              <a:rPr lang="ko-KR" altLang="en-US" sz="4000" dirty="0">
+                <a:solidFill>
+                  <a:srgbClr val="FF0000"/>
+                </a:solidFill>
+              </a:rPr>
+              <a:t> </a:t>
+            </a:r>
+            <a:r>
+              <a:rPr lang="ko-KR" altLang="en-US" sz="4000" dirty="0" err="1">
+                <a:solidFill>
+                  <a:srgbClr val="FF0000"/>
+                </a:solidFill>
+              </a:rPr>
+              <a:t>터레인</a:t>
+            </a:r>
+            <a:r>
+              <a:rPr lang="ko-KR" altLang="en-US" sz="4000" dirty="0">
+                <a:solidFill>
+                  <a:srgbClr val="FF0000"/>
+                </a:solidFill>
+              </a:rPr>
+              <a:t> </a:t>
+            </a:r>
+            <a:r>
+              <a:rPr lang="ko-KR" altLang="en-US" sz="4000" dirty="0"/>
+              <a:t>구현</a:t>
+            </a:r>
+            <a:endParaRPr lang="en-US" altLang="ko-KR" sz="4000" dirty="0"/>
+          </a:p>
+          <a:p>
+            <a:pPr marL="342900" indent="-342900" algn="ctr">
+              <a:buAutoNum type="arabicPeriod"/>
+            </a:pPr>
+            <a:endParaRPr lang="en-US" altLang="ko-KR" sz="4000" dirty="0"/>
+          </a:p>
+          <a:p>
+            <a:pPr marL="342900" indent="-342900" algn="ctr">
+              <a:buAutoNum type="arabicPeriod"/>
+            </a:pPr>
+            <a:r>
+              <a:rPr lang="ko-KR" altLang="en-US" sz="4000" dirty="0"/>
+              <a:t> </a:t>
+            </a:r>
+            <a:r>
+              <a:rPr lang="ko-KR" altLang="en-US" sz="4000" dirty="0" err="1">
+                <a:solidFill>
+                  <a:srgbClr val="FF0000"/>
+                </a:solidFill>
+              </a:rPr>
+              <a:t>마칭큐브</a:t>
+            </a:r>
+            <a:r>
+              <a:rPr lang="ko-KR" altLang="en-US" sz="4000" dirty="0">
+                <a:solidFill>
+                  <a:srgbClr val="FF0000"/>
+                </a:solidFill>
+              </a:rPr>
+              <a:t> 알고리즘 적용</a:t>
+            </a:r>
+            <a:endParaRPr lang="en-US" altLang="ko-KR" sz="4000" dirty="0">
+              <a:solidFill>
+                <a:srgbClr val="FF0000"/>
+              </a:solidFill>
+            </a:endParaRPr>
+          </a:p>
+        </p:txBody>
+      </p:sp>
+    </p:spTree>
+    <p:extLst>
+      <p:ext uri="{BB962C8B-B14F-4D97-AF65-F5344CB8AC3E}">
+        <p14:creationId xmlns:p14="http://schemas.microsoft.com/office/powerpoint/2010/main" val="1044165734"/>
+      </p:ext>
+    </p:extLst>
+  </p:cSld>
+  <p:clrMapOvr>
+    <a:masterClrMapping/>
+  </p:clrMapOvr>
+</p:sld>
+</file>
+
+<file path=ppt/slides/slide3.xml><?xml version="1.0" encoding="utf-8"?>
 <p:sld xmlns:a="http://schemas.openxmlformats.org/drawingml/2006/main" xmlns:r="http://schemas.openxmlformats.org/officeDocument/2006/relationships" xmlns:p="http://schemas.openxmlformats.org/presentationml/2006/main">
   <p:cSld>
     <p:spTree>
@@ -5247,7 +5561,7 @@
 </p:sld>
 </file>
 
-<file path=ppt/slides/slide3.xml><?xml version="1.0" encoding="utf-8"?>
+<file path=ppt/slides/slide4.xml><?xml version="1.0" encoding="utf-8"?>
 <p:sld xmlns:a="http://schemas.openxmlformats.org/drawingml/2006/main" xmlns:r="http://schemas.openxmlformats.org/officeDocument/2006/relationships" xmlns:p="http://schemas.openxmlformats.org/presentationml/2006/main">
   <p:cSld>
     <p:spTree>
@@ -5540,7 +5854,7 @@
 </p:sld>
 </file>
 
-<file path=ppt/slides/slide4.xml><?xml version="1.0" encoding="utf-8"?>
+<file path=ppt/slides/slide5.xml><?xml version="1.0" encoding="utf-8"?>
 <p:sld xmlns:a="http://schemas.openxmlformats.org/drawingml/2006/main" xmlns:r="http://schemas.openxmlformats.org/officeDocument/2006/relationships" xmlns:p="http://schemas.openxmlformats.org/presentationml/2006/main">
   <p:cSld>
     <p:spTree>
@@ -6047,7 +6361,7 @@
 </p:sld>
 </file>
 
-<file path=ppt/slides/slide5.xml><?xml version="1.0" encoding="utf-8"?>
+<file path=ppt/slides/slide6.xml><?xml version="1.0" encoding="utf-8"?>
 <p:sld xmlns:a="http://schemas.openxmlformats.org/drawingml/2006/main" xmlns:r="http://schemas.openxmlformats.org/officeDocument/2006/relationships" xmlns:p="http://schemas.openxmlformats.org/presentationml/2006/main">
   <p:cSld>
     <p:spTree>
@@ -6377,7 +6691,7 @@
 </p:sld>
 </file>
 
-<file path=ppt/slides/slide6.xml><?xml version="1.0" encoding="utf-8"?>
+<file path=ppt/slides/slide7.xml><?xml version="1.0" encoding="utf-8"?>
 <p:sld xmlns:a="http://schemas.openxmlformats.org/drawingml/2006/main" xmlns:r="http://schemas.openxmlformats.org/officeDocument/2006/relationships" xmlns:p="http://schemas.openxmlformats.org/presentationml/2006/main">
   <p:cSld>
     <p:spTree>
@@ -6729,7 +7043,7 @@
 </p:sld>
 </file>
 
-<file path=ppt/slides/slide7.xml><?xml version="1.0" encoding="utf-8"?>
+<file path=ppt/slides/slide8.xml><?xml version="1.0" encoding="utf-8"?>
 <p:sld xmlns:a="http://schemas.openxmlformats.org/drawingml/2006/main" xmlns:r="http://schemas.openxmlformats.org/officeDocument/2006/relationships" xmlns:p="http://schemas.openxmlformats.org/presentationml/2006/main">
   <p:cSld>
     <p:spTree>
@@ -6795,7 +7109,7 @@
           <a:p>
             <a:r>
               <a:rPr lang="ko-KR" altLang="en-US" sz="3600" dirty="0"/>
-              <a:t>목표</a:t>
+              <a:t>추가 목표</a:t>
             </a:r>
           </a:p>
         </p:txBody>
@@ -6814,239 +7128,8 @@
         </p:nvSpPr>
         <p:spPr>
           <a:xfrm>
-            <a:off x="1129717" y="1843950"/>
-            <a:ext cx="9932565" cy="3170099"/>
-          </a:xfrm>
-          <a:prstGeom prst="rect">
-            <a:avLst/>
-          </a:prstGeom>
-          <a:noFill/>
-        </p:spPr>
-        <p:txBody>
-          <a:bodyPr wrap="square" rtlCol="0">
-            <a:spAutoFit/>
-          </a:bodyPr>
-          <a:lstStyle/>
-          <a:p>
-            <a:pPr marL="342900" indent="-342900" algn="ctr">
-              <a:buAutoNum type="arabicPeriod"/>
-            </a:pPr>
-            <a:r>
-              <a:rPr lang="en-US" altLang="ko-KR" sz="4000" dirty="0"/>
-              <a:t> </a:t>
-            </a:r>
-            <a:r>
-              <a:rPr lang="en-US" altLang="ko-KR" sz="4000" dirty="0">
-                <a:solidFill>
-                  <a:srgbClr val="FF0000"/>
-                </a:solidFill>
-              </a:rPr>
-              <a:t>DX11</a:t>
-            </a:r>
-            <a:r>
-              <a:rPr lang="ko-KR" altLang="en-US" sz="4000" dirty="0">
-                <a:solidFill>
-                  <a:srgbClr val="FF0000"/>
-                </a:solidFill>
-              </a:rPr>
-              <a:t>기반 게임엔진작성</a:t>
-            </a:r>
-            <a:endParaRPr lang="en-US" altLang="ko-KR" sz="4000" dirty="0">
-              <a:solidFill>
-                <a:srgbClr val="FF0000"/>
-              </a:solidFill>
-            </a:endParaRPr>
-          </a:p>
-          <a:p>
-            <a:pPr marL="342900" indent="-342900" algn="ctr">
-              <a:buAutoNum type="arabicPeriod"/>
-            </a:pPr>
-            <a:endParaRPr lang="en-US" altLang="ko-KR" sz="4000" dirty="0"/>
-          </a:p>
-          <a:p>
-            <a:pPr marL="342900" indent="-342900" algn="ctr">
-              <a:buAutoNum type="arabicPeriod"/>
-            </a:pPr>
-            <a:r>
-              <a:rPr lang="ko-KR" altLang="en-US" sz="4000" dirty="0"/>
-              <a:t> 절차적 생성 </a:t>
-            </a:r>
-            <a:r>
-              <a:rPr lang="ko-KR" altLang="en-US" sz="4000" dirty="0" err="1">
-                <a:solidFill>
-                  <a:srgbClr val="FF0000"/>
-                </a:solidFill>
-              </a:rPr>
-              <a:t>복셀</a:t>
-            </a:r>
-            <a:r>
-              <a:rPr lang="ko-KR" altLang="en-US" sz="4000" dirty="0">
-                <a:solidFill>
-                  <a:srgbClr val="FF0000"/>
-                </a:solidFill>
-              </a:rPr>
-              <a:t> </a:t>
-            </a:r>
-            <a:r>
-              <a:rPr lang="ko-KR" altLang="en-US" sz="4000" dirty="0" err="1">
-                <a:solidFill>
-                  <a:srgbClr val="FF0000"/>
-                </a:solidFill>
-              </a:rPr>
-              <a:t>터레인</a:t>
-            </a:r>
-            <a:r>
-              <a:rPr lang="ko-KR" altLang="en-US" sz="4000" dirty="0">
-                <a:solidFill>
-                  <a:srgbClr val="FF0000"/>
-                </a:solidFill>
-              </a:rPr>
-              <a:t> </a:t>
-            </a:r>
-            <a:r>
-              <a:rPr lang="ko-KR" altLang="en-US" sz="4000" dirty="0"/>
-              <a:t>구현</a:t>
-            </a:r>
-            <a:endParaRPr lang="en-US" altLang="ko-KR" sz="4000" dirty="0"/>
-          </a:p>
-          <a:p>
-            <a:pPr marL="342900" indent="-342900" algn="ctr">
-              <a:buAutoNum type="arabicPeriod"/>
-            </a:pPr>
-            <a:endParaRPr lang="en-US" altLang="ko-KR" sz="4000" dirty="0"/>
-          </a:p>
-          <a:p>
-            <a:pPr marL="342900" indent="-342900" algn="ctr">
-              <a:buAutoNum type="arabicPeriod"/>
-            </a:pPr>
-            <a:r>
-              <a:rPr lang="ko-KR" altLang="en-US" sz="4000" dirty="0"/>
-              <a:t> </a:t>
-            </a:r>
-            <a:r>
-              <a:rPr lang="ko-KR" altLang="en-US" sz="4000" dirty="0" err="1">
-                <a:solidFill>
-                  <a:srgbClr val="FF0000"/>
-                </a:solidFill>
-              </a:rPr>
-              <a:t>마칭큐브</a:t>
-            </a:r>
-            <a:r>
-              <a:rPr lang="ko-KR" altLang="en-US" sz="4000" dirty="0">
-                <a:solidFill>
-                  <a:srgbClr val="FF0000"/>
-                </a:solidFill>
-              </a:rPr>
-              <a:t> 알고리즘 적용</a:t>
-            </a:r>
-            <a:endParaRPr lang="en-US" altLang="ko-KR" sz="4000" dirty="0">
-              <a:solidFill>
-                <a:srgbClr val="FF0000"/>
-              </a:solidFill>
-            </a:endParaRPr>
-          </a:p>
-        </p:txBody>
-      </p:sp>
-    </p:spTree>
-    <p:extLst>
-      <p:ext uri="{BB962C8B-B14F-4D97-AF65-F5344CB8AC3E}">
-        <p14:creationId xmlns:p14="http://schemas.microsoft.com/office/powerpoint/2010/main" val="1044165734"/>
-      </p:ext>
-    </p:extLst>
-  </p:cSld>
-  <p:clrMapOvr>
-    <a:masterClrMapping/>
-  </p:clrMapOvr>
-</p:sld>
-</file>
-
-<file path=ppt/slides/slide8.xml><?xml version="1.0" encoding="utf-8"?>
-<p:sld xmlns:a="http://schemas.openxmlformats.org/drawingml/2006/main" xmlns:r="http://schemas.openxmlformats.org/officeDocument/2006/relationships" xmlns:p="http://schemas.openxmlformats.org/presentationml/2006/main">
-  <p:cSld>
-    <p:spTree>
-      <p:nvGrpSpPr>
-        <p:cNvPr id="1" name=""/>
-        <p:cNvGrpSpPr/>
-        <p:nvPr/>
-      </p:nvGrpSpPr>
-      <p:grpSpPr>
-        <a:xfrm>
-          <a:off x="0" y="0"/>
-          <a:ext cx="0" cy="0"/>
-          <a:chOff x="0" y="0"/>
-          <a:chExt cx="0" cy="0"/>
-        </a:xfrm>
-      </p:grpSpPr>
-      <p:sp>
-        <p:nvSpPr>
-          <p:cNvPr id="4" name="제목 4">
-            <a:extLst>
-              <a:ext uri="{FF2B5EF4-FFF2-40B4-BE49-F238E27FC236}">
-                <a16:creationId xmlns:a16="http://schemas.microsoft.com/office/drawing/2014/main" id="{D781AA69-A962-4592-A0B7-243FC4A701BA}"/>
-              </a:ext>
-            </a:extLst>
-          </p:cNvPr>
-          <p:cNvSpPr txBox="1">
-            <a:spLocks/>
-          </p:cNvSpPr>
-          <p:nvPr/>
-        </p:nvSpPr>
-        <p:spPr>
-          <a:xfrm>
-            <a:off x="327171" y="0"/>
-            <a:ext cx="6316910" cy="1048624"/>
-          </a:xfrm>
-          <a:prstGeom prst="rect">
-            <a:avLst/>
-          </a:prstGeom>
-        </p:spPr>
-        <p:txBody>
-          <a:bodyPr vert="horz" lIns="91440" tIns="45720" rIns="91440" bIns="45720" rtlCol="0" anchor="ctr">
-            <a:normAutofit/>
-          </a:bodyPr>
-          <a:lstStyle>
-            <a:lvl1pPr algn="l" defTabSz="914400" rtl="0" eaLnBrk="1" latinLnBrk="1" hangingPunct="1">
-              <a:lnSpc>
-                <a:spcPct val="90000"/>
-              </a:lnSpc>
-              <a:spcBef>
-                <a:spcPct val="0"/>
-              </a:spcBef>
-              <a:buNone/>
-              <a:defRPr sz="4400" kern="1200">
-                <a:solidFill>
-                  <a:schemeClr val="tx1"/>
-                </a:solidFill>
-                <a:latin typeface="+mj-lt"/>
-                <a:ea typeface="+mj-ea"/>
-                <a:cs typeface="+mj-cs"/>
-              </a:defRPr>
-            </a:lvl1pPr>
-          </a:lstStyle>
-          <a:p>
-            <a:r>
-              <a:rPr lang="ko-KR" altLang="en-US" sz="3600" dirty="0"/>
-              <a:t>추가 목표</a:t>
-            </a:r>
-          </a:p>
-        </p:txBody>
-      </p:sp>
-      <p:sp>
-        <p:nvSpPr>
-          <p:cNvPr id="5" name="TextBox 4">
-            <a:extLst>
-              <a:ext uri="{FF2B5EF4-FFF2-40B4-BE49-F238E27FC236}">
-                <a16:creationId xmlns:a16="http://schemas.microsoft.com/office/drawing/2014/main" id="{681D4AF7-FF61-4AD2-B87F-A0201B8B75B0}"/>
-              </a:ext>
-            </a:extLst>
-          </p:cNvPr>
-          <p:cNvSpPr txBox="1"/>
-          <p:nvPr/>
-        </p:nvSpPr>
-        <p:spPr>
-          <a:xfrm>
             <a:off x="1129717" y="1166842"/>
-            <a:ext cx="9932565" cy="4524315"/>
+            <a:ext cx="9932565" cy="1077218"/>
           </a:xfrm>
           <a:prstGeom prst="rect">
             <a:avLst/>
@@ -7082,118 +7165,55 @@
             </a:pPr>
             <a:endParaRPr lang="en-US" altLang="ko-KR" sz="3200" dirty="0"/>
           </a:p>
-          <a:p>
-            <a:pPr marL="342900" indent="-342900" algn="ctr">
-              <a:buAutoNum type="arabicPeriod"/>
-            </a:pPr>
-            <a:r>
-              <a:rPr lang="ko-KR" altLang="en-US" sz="3200" dirty="0"/>
-              <a:t> </a:t>
-            </a:r>
-            <a:r>
-              <a:rPr lang="en-US" altLang="ko-KR" sz="3200" dirty="0"/>
-              <a:t>Collider </a:t>
-            </a:r>
-            <a:r>
-              <a:rPr lang="ko-KR" altLang="en-US" sz="3200" dirty="0" err="1"/>
-              <a:t>생성및</a:t>
-            </a:r>
-            <a:r>
-              <a:rPr lang="ko-KR" altLang="en-US" sz="3200" dirty="0"/>
-              <a:t> 물리추가</a:t>
-            </a:r>
-            <a:endParaRPr lang="en-US" altLang="ko-KR" sz="3200" dirty="0"/>
-          </a:p>
-          <a:p>
-            <a:pPr marL="342900" indent="-342900" algn="ctr">
-              <a:buAutoNum type="arabicPeriod"/>
-            </a:pPr>
-            <a:endParaRPr lang="en-US" altLang="ko-KR" sz="3200" dirty="0"/>
-          </a:p>
-          <a:p>
-            <a:pPr marL="342900" indent="-342900" algn="ctr">
-              <a:buAutoNum type="arabicPeriod"/>
-            </a:pPr>
-            <a:r>
-              <a:rPr lang="ko-KR" altLang="en-US" sz="3200" dirty="0"/>
-              <a:t> </a:t>
-            </a:r>
-            <a:r>
-              <a:rPr lang="ko-KR" altLang="en-US" sz="3200" dirty="0" err="1"/>
-              <a:t>그림자맵</a:t>
-            </a:r>
-            <a:r>
-              <a:rPr lang="ko-KR" altLang="en-US" sz="3200" dirty="0"/>
-              <a:t> 적용</a:t>
-            </a:r>
-            <a:endParaRPr lang="en-US" altLang="ko-KR" sz="3200" dirty="0"/>
-          </a:p>
-          <a:p>
-            <a:pPr marL="342900" indent="-342900" algn="ctr">
-              <a:buAutoNum type="arabicPeriod"/>
-            </a:pPr>
-            <a:endParaRPr lang="en-US" altLang="ko-KR" sz="3200" dirty="0"/>
-          </a:p>
-          <a:p>
-            <a:pPr marL="342900" indent="-342900" algn="ctr">
-              <a:buAutoNum type="arabicPeriod"/>
-            </a:pPr>
-            <a:r>
-              <a:rPr lang="en-US" altLang="ko-KR" sz="3200" dirty="0"/>
-              <a:t> </a:t>
-            </a:r>
-            <a:r>
-              <a:rPr lang="en-US" altLang="ko-KR" sz="3200" dirty="0" err="1"/>
-              <a:t>Tripanar</a:t>
-            </a:r>
-            <a:r>
-              <a:rPr lang="en-US" altLang="ko-KR" sz="3200" dirty="0"/>
-              <a:t> </a:t>
-            </a:r>
-            <a:r>
-              <a:rPr lang="en-US" altLang="ko-KR" sz="3200" dirty="0" err="1"/>
-              <a:t>Splatmap</a:t>
-            </a:r>
-            <a:r>
-              <a:rPr lang="en-US" altLang="ko-KR" sz="3200" dirty="0"/>
-              <a:t> </a:t>
-            </a:r>
-            <a:r>
-              <a:rPr lang="ko-KR" altLang="en-US" sz="3200" dirty="0"/>
-              <a:t>적용</a:t>
-            </a:r>
-            <a:endParaRPr lang="en-US" altLang="ko-KR" sz="3200" dirty="0"/>
-          </a:p>
-          <a:p>
-            <a:pPr marL="342900" indent="-342900" algn="ctr">
-              <a:buAutoNum type="arabicPeriod"/>
-            </a:pPr>
-            <a:endParaRPr lang="en-US" altLang="ko-KR" sz="3200" dirty="0"/>
-          </a:p>
-          <a:p>
-            <a:pPr marL="342900" indent="-342900" algn="ctr">
-              <a:buAutoNum type="arabicPeriod"/>
-            </a:pPr>
-            <a:r>
-              <a:rPr lang="ko-KR" altLang="en-US" sz="3200" dirty="0"/>
-              <a:t> </a:t>
-            </a:r>
-            <a:r>
-              <a:rPr lang="ko-KR" altLang="en-US" sz="3200" dirty="0" err="1"/>
-              <a:t>에디팅</a:t>
-            </a:r>
-            <a:r>
-              <a:rPr lang="ko-KR" altLang="en-US" sz="3200" dirty="0"/>
-              <a:t> 기능 추가</a:t>
-            </a:r>
-            <a:endParaRPr lang="en-US" altLang="ko-KR" sz="3200" dirty="0">
-              <a:solidFill>
-                <a:srgbClr val="FF0000"/>
-              </a:solidFill>
-            </a:endParaRPr>
-          </a:p>
-        </p:txBody>
-      </p:sp>
+        </p:txBody>
+      </p:sp>
+      <p:pic>
+        <p:nvPicPr>
+          <p:cNvPr id="1026" name="Picture 2" descr="Octreeì ëí ì´ë¯¸ì§ ê²ìê²°ê³¼">
+            <a:extLst>
+              <a:ext uri="{FF2B5EF4-FFF2-40B4-BE49-F238E27FC236}">
+                <a16:creationId xmlns:a16="http://schemas.microsoft.com/office/drawing/2014/main" id="{1CB6763A-BAB3-4390-A1AE-5856B6F95A1C}"/>
+              </a:ext>
+            </a:extLst>
+          </p:cNvPr>
+          <p:cNvPicPr>
+            <a:picLocks noChangeAspect="1" noChangeArrowheads="1"/>
+          </p:cNvPicPr>
+          <p:nvPr/>
+        </p:nvPicPr>
+        <p:blipFill>
+          <a:blip r:embed="rId2">
+            <a:extLst>
+              <a:ext uri="{28A0092B-C50C-407E-A947-70E740481C1C}">
+                <a14:useLocalDpi xmlns:a14="http://schemas.microsoft.com/office/drawing/2010/main" val="0"/>
+              </a:ext>
+            </a:extLst>
+          </a:blip>
+          <a:srcRect/>
+          <a:stretch>
+            <a:fillRect/>
+          </a:stretch>
+        </p:blipFill>
+        <p:spPr bwMode="auto">
+          <a:xfrm>
+            <a:off x="2558920" y="2434012"/>
+            <a:ext cx="7074159" cy="4061746"/>
+          </a:xfrm>
+          <a:prstGeom prst="rect">
+            <a:avLst/>
+          </a:prstGeom>
+          <a:noFill/>
+          <a:extLst>
+            <a:ext uri="{909E8E84-426E-40DD-AFC4-6F175D3DCCD1}">
+              <a14:hiddenFill xmlns:a14="http://schemas.microsoft.com/office/drawing/2010/main">
+                <a:solidFill>
+                  <a:srgbClr val="FFFFFF"/>
+                </a:solidFill>
+              </a14:hiddenFill>
+            </a:ext>
+          </a:extLst>
+        </p:spPr>
+      </p:pic>
     </p:spTree>
     <p:extLst>
       <p:ext uri="{BB962C8B-B14F-4D97-AF65-F5344CB8AC3E}">
@@ -7226,10 +7246,64 @@
       </p:grpSpPr>
       <p:sp>
         <p:nvSpPr>
-          <p:cNvPr id="4" name="TextBox 3">
-            <a:extLst>
-              <a:ext uri="{FF2B5EF4-FFF2-40B4-BE49-F238E27FC236}">
-                <a16:creationId xmlns:a16="http://schemas.microsoft.com/office/drawing/2014/main" id="{605D81E9-0368-4270-9A1E-B85F9BCBD422}"/>
+          <p:cNvPr id="4" name="제목 4">
+            <a:extLst>
+              <a:ext uri="{FF2B5EF4-FFF2-40B4-BE49-F238E27FC236}">
+                <a16:creationId xmlns:a16="http://schemas.microsoft.com/office/drawing/2014/main" id="{D781AA69-A962-4592-A0B7-243FC4A701BA}"/>
+              </a:ext>
+            </a:extLst>
+          </p:cNvPr>
+          <p:cNvSpPr txBox="1">
+            <a:spLocks/>
+          </p:cNvSpPr>
+          <p:nvPr/>
+        </p:nvSpPr>
+        <p:spPr>
+          <a:xfrm>
+            <a:off x="327171" y="0"/>
+            <a:ext cx="6316910" cy="1048624"/>
+          </a:xfrm>
+          <a:prstGeom prst="rect">
+            <a:avLst/>
+          </a:prstGeom>
+        </p:spPr>
+        <p:txBody>
+          <a:bodyPr vert="horz" lIns="91440" tIns="45720" rIns="91440" bIns="45720" rtlCol="0" anchor="ctr">
+            <a:normAutofit/>
+          </a:bodyPr>
+          <a:lstStyle>
+            <a:lvl1pPr algn="l" defTabSz="914400" rtl="0" eaLnBrk="1" latinLnBrk="1" hangingPunct="1">
+              <a:lnSpc>
+                <a:spcPct val="90000"/>
+              </a:lnSpc>
+              <a:spcBef>
+                <a:spcPct val="0"/>
+              </a:spcBef>
+              <a:buNone/>
+              <a:defRPr sz="4400" kern="1200">
+                <a:solidFill>
+                  <a:schemeClr val="tx1"/>
+                </a:solidFill>
+                <a:latin typeface="+mj-lt"/>
+                <a:ea typeface="+mj-ea"/>
+                <a:cs typeface="+mj-cs"/>
+              </a:defRPr>
+            </a:lvl1pPr>
+          </a:lstStyle>
+          <a:p>
+            <a:r>
+              <a:rPr lang="ko-KR" altLang="en-US" sz="3600" dirty="0"/>
+              <a:t>추가 목표</a:t>
+            </a:r>
+          </a:p>
+        </p:txBody>
+      </p:sp>
+      <p:sp>
+        <p:nvSpPr>
+          <p:cNvPr id="5" name="TextBox 4">
+            <a:extLst>
+              <a:ext uri="{FF2B5EF4-FFF2-40B4-BE49-F238E27FC236}">
+                <a16:creationId xmlns:a16="http://schemas.microsoft.com/office/drawing/2014/main" id="{681D4AF7-FF61-4AD2-B87F-A0201B8B75B0}"/>
               </a:ext>
             </a:extLst>
           </p:cNvPr>
@@ -7238,8 +7312,8 @@
         </p:nvSpPr>
         <p:spPr>
           <a:xfrm>
-            <a:off x="5149266" y="3105834"/>
-            <a:ext cx="1893467" cy="646331"/>
+            <a:off x="1129717" y="1166842"/>
+            <a:ext cx="9932565" cy="4524315"/>
           </a:xfrm>
           <a:prstGeom prst="rect">
             <a:avLst/>
@@ -7247,39 +7321,150 @@
           <a:noFill/>
         </p:spPr>
         <p:txBody>
-          <a:bodyPr wrap="none" rtlCol="0">
+          <a:bodyPr wrap="square" rtlCol="0">
             <a:spAutoFit/>
           </a:bodyPr>
           <a:lstStyle/>
           <a:p>
-            <a:r>
-              <a:rPr lang="ko-KR" altLang="en-US" sz="3600" dirty="0" err="1"/>
-              <a:t>ㄲ</a:t>
-            </a:r>
-            <a:r>
-              <a:rPr lang="ko-KR" altLang="en-US" sz="3600" dirty="0"/>
+            <a:pPr marL="342900" indent="-342900" algn="ctr">
+              <a:buAutoNum type="arabicPeriod"/>
+            </a:pPr>
+            <a:r>
+              <a:rPr lang="en-US" altLang="ko-KR" sz="3200" dirty="0"/>
+              <a:t> Octree</a:t>
+            </a:r>
+            <a:r>
+              <a:rPr lang="ko-KR" altLang="en-US" sz="3200" dirty="0"/>
+              <a:t>를 이용한 동적로딩</a:t>
+            </a:r>
+            <a:endParaRPr lang="en-US" altLang="ko-KR" sz="3200" dirty="0">
+              <a:solidFill>
+                <a:srgbClr val="FF0000"/>
+              </a:solidFill>
+            </a:endParaRPr>
+          </a:p>
+          <a:p>
+            <a:pPr marL="342900" indent="-342900" algn="ctr">
+              <a:buAutoNum type="arabicPeriod"/>
+            </a:pPr>
+            <a:endParaRPr lang="en-US" altLang="ko-KR" sz="3200" dirty="0"/>
+          </a:p>
+          <a:p>
+            <a:pPr marL="342900" indent="-342900" algn="ctr">
+              <a:buAutoNum type="arabicPeriod"/>
+            </a:pPr>
+            <a:r>
+              <a:rPr lang="ko-KR" altLang="en-US" sz="3200" dirty="0"/>
               <a:t> </a:t>
             </a:r>
             <a:r>
-              <a:rPr lang="ko-KR" altLang="en-US" sz="3600" dirty="0" err="1"/>
-              <a:t>ㅡ</a:t>
-            </a:r>
-            <a:r>
-              <a:rPr lang="ko-KR" altLang="en-US" sz="3600" dirty="0"/>
+              <a:rPr lang="en-US" altLang="ko-KR" sz="3200" dirty="0"/>
+              <a:t>Collider </a:t>
+            </a:r>
+            <a:r>
+              <a:rPr lang="ko-KR" altLang="en-US" sz="3200" dirty="0" err="1"/>
+              <a:t>생성및</a:t>
+            </a:r>
+            <a:r>
+              <a:rPr lang="ko-KR" altLang="en-US" sz="3200" dirty="0"/>
+              <a:t> 물리추가</a:t>
+            </a:r>
+            <a:endParaRPr lang="en-US" altLang="ko-KR" sz="3200" dirty="0"/>
+          </a:p>
+          <a:p>
+            <a:pPr marL="342900" indent="-342900" algn="ctr">
+              <a:buAutoNum type="arabicPeriod"/>
+            </a:pPr>
+            <a:endParaRPr lang="en-US" altLang="ko-KR" sz="3200" dirty="0"/>
+          </a:p>
+          <a:p>
+            <a:pPr marL="342900" indent="-342900" algn="ctr">
+              <a:buAutoNum type="arabicPeriod"/>
+            </a:pPr>
+            <a:r>
+              <a:rPr lang="ko-KR" altLang="en-US" sz="3200" dirty="0"/>
               <a:t> </a:t>
             </a:r>
             <a:r>
-              <a:rPr lang="ko-KR" altLang="en-US" sz="3600" dirty="0" err="1"/>
-              <a:t>ㅌ</a:t>
-            </a:r>
-            <a:endParaRPr lang="ko-KR" altLang="en-US" sz="3600" dirty="0"/>
+              <a:rPr lang="ko-KR" altLang="en-US" sz="3200" dirty="0" err="1"/>
+              <a:t>그림자맵</a:t>
+            </a:r>
+            <a:r>
+              <a:rPr lang="ko-KR" altLang="en-US" sz="3200" dirty="0"/>
+              <a:t> 적용</a:t>
+            </a:r>
+            <a:endParaRPr lang="en-US" altLang="ko-KR" sz="3200" dirty="0"/>
+          </a:p>
+          <a:p>
+            <a:pPr marL="342900" indent="-342900" algn="ctr">
+              <a:buAutoNum type="arabicPeriod"/>
+            </a:pPr>
+            <a:endParaRPr lang="en-US" altLang="ko-KR" sz="3200" dirty="0"/>
+          </a:p>
+          <a:p>
+            <a:pPr marL="342900" indent="-342900" algn="ctr">
+              <a:buAutoNum type="arabicPeriod"/>
+            </a:pPr>
+            <a:r>
+              <a:rPr lang="en-US" altLang="ko-KR" sz="3200" dirty="0"/>
+              <a:t> </a:t>
+            </a:r>
+            <a:r>
+              <a:rPr lang="en-US" altLang="ko-KR" sz="3200" dirty="0" err="1"/>
+              <a:t>Tripanar</a:t>
+            </a:r>
+            <a:r>
+              <a:rPr lang="en-US" altLang="ko-KR" sz="3200" dirty="0"/>
+              <a:t> </a:t>
+            </a:r>
+            <a:r>
+              <a:rPr lang="en-US" altLang="ko-KR" sz="3200" dirty="0" err="1"/>
+              <a:t>Splatmap</a:t>
+            </a:r>
+            <a:r>
+              <a:rPr lang="en-US" altLang="ko-KR" sz="3200" dirty="0"/>
+              <a:t> </a:t>
+            </a:r>
+            <a:r>
+              <a:rPr lang="ko-KR" altLang="en-US" sz="3200" dirty="0"/>
+              <a:t>적용</a:t>
+            </a:r>
+            <a:endParaRPr lang="en-US" altLang="ko-KR" sz="3200" dirty="0"/>
+          </a:p>
+          <a:p>
+            <a:pPr marL="342900" indent="-342900" algn="ctr">
+              <a:buAutoNum type="arabicPeriod"/>
+            </a:pPr>
+            <a:endParaRPr lang="en-US" altLang="ko-KR" sz="3200" dirty="0"/>
+          </a:p>
+          <a:p>
+            <a:pPr marL="342900" indent="-342900" algn="ctr">
+              <a:buAutoNum type="arabicPeriod"/>
+            </a:pPr>
+            <a:r>
+              <a:rPr lang="ko-KR" altLang="en-US" sz="3200" dirty="0"/>
+              <a:t> </a:t>
+            </a:r>
+            <a:r>
+              <a:rPr lang="ko-KR" altLang="en-US" sz="3200" dirty="0" err="1"/>
+              <a:t>에디팅</a:t>
+            </a:r>
+            <a:r>
+              <a:rPr lang="ko-KR" altLang="en-US" sz="3200" dirty="0"/>
+              <a:t> 기능 추가</a:t>
+            </a:r>
+            <a:endParaRPr lang="en-US" altLang="ko-KR" sz="3200" dirty="0">
+              <a:solidFill>
+                <a:srgbClr val="FF0000"/>
+              </a:solidFill>
+            </a:endParaRPr>
           </a:p>
         </p:txBody>
       </p:sp>
     </p:spTree>
     <p:extLst>
       <p:ext uri="{BB962C8B-B14F-4D97-AF65-F5344CB8AC3E}">
-        <p14:creationId xmlns:p14="http://schemas.microsoft.com/office/powerpoint/2010/main" val="4073325434"/>
+        <p14:creationId xmlns:p14="http://schemas.microsoft.com/office/powerpoint/2010/main" val="245392309"/>
       </p:ext>
     </p:extLst>
   </p:cSld>
